--- a/rut23-project-one/ProjectOne-Group4-ProjectResults.pptx
+++ b/rut23-project-one/ProjectOne-Group4-ProjectResults.pptx
@@ -13,6 +13,8 @@
     <p:sldId id="261" r:id="rId7"/>
     <p:sldId id="262" r:id="rId8"/>
     <p:sldId id="263" r:id="rId9"/>
+    <p:sldId id="264" r:id="rId10"/>
+    <p:sldId id="265" r:id="rId11"/>
   </p:sldIdLst>
   <p:sldSz cx="12192000" cy="6858000"/>
   <p:notesSz cx="6858000" cy="9144000"/>
@@ -3710,7 +3712,7 @@
         </p:blipFill>
         <p:spPr>
           <a:xfrm>
-            <a:off x="20" y="1"/>
+            <a:off x="21" y="327379"/>
             <a:ext cx="12191979" cy="6858000"/>
           </a:xfrm>
           <a:prstGeom prst="rect">
@@ -3986,6 +3988,254 @@
 </p:sld>
 </file>
 
+<file path=ppt/slides/slide10.xml><?xml version="1.0" encoding="utf-8"?>
+<p:sld xmlns:a="http://schemas.openxmlformats.org/drawingml/2006/main" xmlns:r="http://schemas.openxmlformats.org/officeDocument/2006/relationships" xmlns:p="http://schemas.openxmlformats.org/presentationml/2006/main">
+  <p:cSld>
+    <p:spTree>
+      <p:nvGrpSpPr>
+        <p:cNvPr id="1" name=""/>
+        <p:cNvGrpSpPr/>
+        <p:nvPr/>
+      </p:nvGrpSpPr>
+      <p:grpSpPr>
+        <a:xfrm>
+          <a:off x="0" y="0"/>
+          <a:ext cx="0" cy="0"/>
+          <a:chOff x="0" y="0"/>
+          <a:chExt cx="0" cy="0"/>
+        </a:xfrm>
+      </p:grpSpPr>
+      <p:sp>
+        <p:nvSpPr>
+          <p:cNvPr id="2" name="Title 1">
+            <a:extLst>
+              <a:ext uri="{FF2B5EF4-FFF2-40B4-BE49-F238E27FC236}">
+                <a16:creationId xmlns:a16="http://schemas.microsoft.com/office/drawing/2014/main" id="{78854E65-4C90-752A-0455-ABD237260114}"/>
+              </a:ext>
+            </a:extLst>
+          </p:cNvPr>
+          <p:cNvSpPr>
+            <a:spLocks noGrp="1"/>
+          </p:cNvSpPr>
+          <p:nvPr>
+            <p:ph type="title"/>
+          </p:nvPr>
+        </p:nvSpPr>
+        <p:spPr>
+          <a:xfrm>
+            <a:off x="548639" y="950977"/>
+            <a:ext cx="10995659" cy="557784"/>
+          </a:xfrm>
+        </p:spPr>
+        <p:txBody>
+          <a:bodyPr>
+            <a:normAutofit fontScale="90000"/>
+          </a:bodyPr>
+          <a:lstStyle/>
+          <a:p>
+            <a:r>
+              <a:rPr lang="en-US" dirty="0">
+                <a:latin typeface="Calibri" panose="020F0502020204030204" pitchFamily="34" charset="0"/>
+                <a:cs typeface="Calibri" panose="020F0502020204030204" pitchFamily="34" charset="0"/>
+              </a:rPr>
+              <a:t>RU23 – Project One – Group 4 - Results</a:t>
+            </a:r>
+          </a:p>
+        </p:txBody>
+      </p:sp>
+      <p:sp>
+        <p:nvSpPr>
+          <p:cNvPr id="4" name="Content Placeholder 3">
+            <a:extLst>
+              <a:ext uri="{FF2B5EF4-FFF2-40B4-BE49-F238E27FC236}">
+                <a16:creationId xmlns:a16="http://schemas.microsoft.com/office/drawing/2014/main" id="{36D6097F-B592-D78F-A7B9-FA1A806B9D51}"/>
+              </a:ext>
+            </a:extLst>
+          </p:cNvPr>
+          <p:cNvSpPr>
+            <a:spLocks noGrp="1"/>
+          </p:cNvSpPr>
+          <p:nvPr>
+            <p:ph idx="1"/>
+          </p:nvPr>
+        </p:nvSpPr>
+        <p:spPr>
+          <a:xfrm>
+            <a:off x="548640" y="2028826"/>
+            <a:ext cx="10995657" cy="4029074"/>
+          </a:xfrm>
+        </p:spPr>
+        <p:txBody>
+          <a:bodyPr>
+            <a:normAutofit fontScale="77500" lnSpcReduction="20000"/>
+          </a:bodyPr>
+          <a:lstStyle/>
+          <a:p>
+            <a:pPr>
+              <a:spcBef>
+                <a:spcPts val="0"/>
+              </a:spcBef>
+            </a:pPr>
+            <a:r>
+              <a:rPr lang="en-US" sz="2000" b="1" dirty="0">
+                <a:latin typeface="Calibri" panose="020F0502020204030204" pitchFamily="34" charset="0"/>
+                <a:cs typeface="Calibri" panose="020F0502020204030204" pitchFamily="34" charset="0"/>
+              </a:rPr>
+              <a:t>Data analysis limitations and Assumptions</a:t>
+            </a:r>
+            <a:endParaRPr lang="en-US" b="1" dirty="0">
+              <a:effectLst/>
+              <a:latin typeface="Calibri" panose="020F0502020204030204" pitchFamily="34" charset="0"/>
+              <a:cs typeface="Calibri" panose="020F0502020204030204" pitchFamily="34" charset="0"/>
+            </a:endParaRPr>
+          </a:p>
+          <a:p>
+            <a:pPr lvl="1">
+              <a:spcBef>
+                <a:spcPts val="0"/>
+              </a:spcBef>
+            </a:pPr>
+            <a:r>
+              <a:rPr lang="en-US" dirty="0">
+                <a:effectLst/>
+                <a:latin typeface="Calibri" panose="020F0502020204030204" pitchFamily="34" charset="0"/>
+                <a:cs typeface="Calibri" panose="020F0502020204030204" pitchFamily="34" charset="0"/>
+              </a:rPr>
+              <a:t>Assumption Violation: The analysis relies on certain assumptions, such as normal distribution or independence of observations, which may not hold true in the given dataset. Violations of these assumptions can affect the validity of the results.</a:t>
+            </a:r>
+          </a:p>
+          <a:p>
+            <a:pPr lvl="1">
+              <a:spcBef>
+                <a:spcPts val="0"/>
+              </a:spcBef>
+            </a:pPr>
+            <a:r>
+              <a:rPr lang="en-US" dirty="0">
+                <a:effectLst/>
+                <a:latin typeface="Calibri" panose="020F0502020204030204" pitchFamily="34" charset="0"/>
+                <a:cs typeface="Calibri" panose="020F0502020204030204" pitchFamily="34" charset="0"/>
+              </a:rPr>
+              <a:t>Missing Data: The presence of missing data in the dataset may introduce bias or reduce the representativeness of the analysis. The method used to handle missing data can also impact the results.</a:t>
+            </a:r>
+          </a:p>
+          <a:p>
+            <a:pPr lvl="1">
+              <a:spcBef>
+                <a:spcPts val="0"/>
+              </a:spcBef>
+            </a:pPr>
+            <a:r>
+              <a:rPr lang="en-US" dirty="0">
+                <a:effectLst/>
+                <a:latin typeface="Calibri" panose="020F0502020204030204" pitchFamily="34" charset="0"/>
+                <a:cs typeface="Calibri" panose="020F0502020204030204" pitchFamily="34" charset="0"/>
+              </a:rPr>
+              <a:t>Causality Inference: The analysis may identify associations or correlations between variables, but it cannot establish causal relationships due to the observational nature of the data. Additional experimental or quasi-experimental designs would be needed for causal inference.</a:t>
+            </a:r>
+          </a:p>
+          <a:p>
+            <a:pPr lvl="1">
+              <a:spcBef>
+                <a:spcPts val="0"/>
+              </a:spcBef>
+            </a:pPr>
+            <a:r>
+              <a:rPr lang="en-US" dirty="0">
+                <a:effectLst/>
+                <a:latin typeface="Calibri" panose="020F0502020204030204" pitchFamily="34" charset="0"/>
+                <a:cs typeface="Calibri" panose="020F0502020204030204" pitchFamily="34" charset="0"/>
+              </a:rPr>
+              <a:t>Confounding Variables: The analysis may not account for all potential confounding variables, which could lead to spurious relationships or biased estimates. Unmeasured or uncontrolled factors may influence the observed associations.</a:t>
+            </a:r>
+          </a:p>
+          <a:p>
+            <a:pPr lvl="1">
+              <a:spcBef>
+                <a:spcPts val="0"/>
+              </a:spcBef>
+            </a:pPr>
+            <a:r>
+              <a:rPr lang="en-US" dirty="0">
+                <a:effectLst/>
+                <a:latin typeface="Calibri" panose="020F0502020204030204" pitchFamily="34" charset="0"/>
+                <a:cs typeface="Calibri" panose="020F0502020204030204" pitchFamily="34" charset="0"/>
+              </a:rPr>
+              <a:t>Scope Limitation: The analysis focuses on a specific aspect or subset of the data, potentially neglecting other relevant factors or dimensions that could impact the overall understanding of the phenomenon.</a:t>
+            </a:r>
+          </a:p>
+          <a:p>
+            <a:pPr lvl="1">
+              <a:spcBef>
+                <a:spcPts val="0"/>
+              </a:spcBef>
+            </a:pPr>
+            <a:r>
+              <a:rPr lang="en-US" dirty="0">
+                <a:effectLst/>
+                <a:latin typeface="Calibri" panose="020F0502020204030204" pitchFamily="34" charset="0"/>
+                <a:cs typeface="Calibri" panose="020F0502020204030204" pitchFamily="34" charset="0"/>
+              </a:rPr>
+              <a:t>Methodological Constraints: The analysis is subject to the limitations of the chosen statistical techniques, algorithms, or models. These limitations could include assumptions made, simplifications used, or constraints on the complexity of the analysis.</a:t>
+            </a:r>
+          </a:p>
+          <a:p>
+            <a:pPr lvl="1">
+              <a:spcBef>
+                <a:spcPts val="0"/>
+              </a:spcBef>
+            </a:pPr>
+            <a:r>
+              <a:rPr lang="en-US" dirty="0">
+                <a:effectLst/>
+                <a:latin typeface="Calibri" panose="020F0502020204030204" pitchFamily="34" charset="0"/>
+                <a:cs typeface="Calibri" panose="020F0502020204030204" pitchFamily="34" charset="0"/>
+              </a:rPr>
+              <a:t>It is important to recognize these limitations when interpreting the results of a data analysis and to be cautious about the conclusions drawn from the findings.</a:t>
+            </a:r>
+          </a:p>
+          <a:p>
+            <a:pPr lvl="1">
+              <a:spcBef>
+                <a:spcPts val="0"/>
+              </a:spcBef>
+            </a:pPr>
+            <a:endParaRPr lang="en-US" dirty="0">
+              <a:latin typeface="Calibri" panose="020F0502020204030204" pitchFamily="34" charset="0"/>
+              <a:cs typeface="Calibri" panose="020F0502020204030204" pitchFamily="34" charset="0"/>
+            </a:endParaRPr>
+          </a:p>
+          <a:p>
+            <a:pPr marL="274320" lvl="1" indent="0" algn="r">
+              <a:spcBef>
+                <a:spcPts val="0"/>
+              </a:spcBef>
+              <a:buNone/>
+            </a:pPr>
+            <a:r>
+              <a:rPr lang="en-US" sz="1300" dirty="0">
+                <a:effectLst/>
+                <a:latin typeface="Calibri" panose="020F0502020204030204" pitchFamily="34" charset="0"/>
+                <a:cs typeface="Calibri" panose="020F0502020204030204" pitchFamily="34" charset="0"/>
+              </a:rPr>
+              <a:t>(CB)</a:t>
+            </a:r>
+          </a:p>
+        </p:txBody>
+      </p:sp>
+    </p:spTree>
+    <p:extLst>
+      <p:ext uri="{BB962C8B-B14F-4D97-AF65-F5344CB8AC3E}">
+        <p14:creationId xmlns:p14="http://schemas.microsoft.com/office/powerpoint/2010/main" val="1700761303"/>
+      </p:ext>
+    </p:extLst>
+  </p:cSld>
+  <p:clrMapOvr>
+    <a:masterClrMapping/>
+  </p:clrMapOvr>
+</p:sld>
+</file>
+
 <file path=ppt/slides/slide2.xml><?xml version="1.0" encoding="utf-8"?>
 <p:sld xmlns:a="http://schemas.openxmlformats.org/drawingml/2006/main" xmlns:r="http://schemas.openxmlformats.org/officeDocument/2006/relationships" xmlns:p="http://schemas.openxmlformats.org/presentationml/2006/main">
   <p:cSld>
@@ -4026,11 +4276,16 @@
           </a:xfrm>
         </p:spPr>
         <p:txBody>
-          <a:bodyPr/>
-          <a:lstStyle/>
-          <a:p>
-            <a:r>
-              <a:rPr lang="en-US" dirty="0"/>
+          <a:bodyPr>
+            <a:normAutofit fontScale="90000"/>
+          </a:bodyPr>
+          <a:lstStyle/>
+          <a:p>
+            <a:r>
+              <a:rPr lang="en-US" dirty="0">
+                <a:latin typeface="Calibri" panose="020F0502020204030204" pitchFamily="34" charset="0"/>
+                <a:cs typeface="Calibri" panose="020F0502020204030204" pitchFamily="34" charset="0"/>
+              </a:rPr>
               <a:t>RU23 – Project One – Group 4 - Results</a:t>
             </a:r>
           </a:p>
@@ -4080,7 +4335,7 @@
         <p:spPr>
           <a:xfrm>
             <a:off x="6829778" y="1941689"/>
-            <a:ext cx="4481689" cy="4247317"/>
+            <a:ext cx="4481689" cy="3693319"/>
           </a:xfrm>
           <a:prstGeom prst="rect">
             <a:avLst/>
@@ -4098,7 +4353,10 @@
               <a:buChar char="•"/>
             </a:pPr>
             <a:r>
-              <a:rPr lang="en-US" dirty="0"/>
+              <a:rPr lang="en-US" dirty="0">
+                <a:latin typeface="Calibri" panose="020F0502020204030204" pitchFamily="34" charset="0"/>
+                <a:cs typeface="Calibri" panose="020F0502020204030204" pitchFamily="34" charset="0"/>
+              </a:rPr>
               <a:t>Question: Based on the available data, what is the average salaries per year for Data Science Professionals?</a:t>
             </a:r>
           </a:p>
@@ -4107,7 +4365,10 @@
               <a:buFont typeface="Arial" panose="020B0604020202020204" pitchFamily="34" charset="0"/>
               <a:buChar char="•"/>
             </a:pPr>
-            <a:endParaRPr lang="en-US" dirty="0"/>
+            <a:endParaRPr lang="en-US" dirty="0">
+              <a:latin typeface="Calibri" panose="020F0502020204030204" pitchFamily="34" charset="0"/>
+              <a:cs typeface="Calibri" panose="020F0502020204030204" pitchFamily="34" charset="0"/>
+            </a:endParaRPr>
           </a:p>
           <a:p>
             <a:pPr marL="285750" indent="-285750">
@@ -4115,7 +4376,10 @@
               <a:buChar char="•"/>
             </a:pPr>
             <a:r>
-              <a:rPr lang="en-US" dirty="0"/>
+              <a:rPr lang="en-US" dirty="0">
+                <a:latin typeface="Calibri" panose="020F0502020204030204" pitchFamily="34" charset="0"/>
+                <a:cs typeface="Calibri" panose="020F0502020204030204" pitchFamily="34" charset="0"/>
+              </a:rPr>
               <a:t>We selected information from companies and workers located in the USA only.</a:t>
             </a:r>
           </a:p>
@@ -4124,7 +4388,10 @@
               <a:buFont typeface="Arial" panose="020B0604020202020204" pitchFamily="34" charset="0"/>
               <a:buChar char="•"/>
             </a:pPr>
-            <a:endParaRPr lang="en-US" dirty="0"/>
+            <a:endParaRPr lang="en-US" dirty="0">
+              <a:latin typeface="Calibri" panose="020F0502020204030204" pitchFamily="34" charset="0"/>
+              <a:cs typeface="Calibri" panose="020F0502020204030204" pitchFamily="34" charset="0"/>
+            </a:endParaRPr>
           </a:p>
           <a:p>
             <a:pPr marL="285750" indent="-285750">
@@ -4132,7 +4399,10 @@
               <a:buChar char="•"/>
             </a:pPr>
             <a:r>
-              <a:rPr lang="en-US" dirty="0"/>
+              <a:rPr lang="en-US" dirty="0">
+                <a:latin typeface="Calibri" panose="020F0502020204030204" pitchFamily="34" charset="0"/>
+                <a:cs typeface="Calibri" panose="020F0502020204030204" pitchFamily="34" charset="0"/>
+              </a:rPr>
               <a:t>The national average is around 61K/year</a:t>
             </a:r>
           </a:p>
@@ -4141,7 +4411,10 @@
               <a:buFont typeface="Arial" panose="020B0604020202020204" pitchFamily="34" charset="0"/>
               <a:buChar char="•"/>
             </a:pPr>
-            <a:endParaRPr lang="en-US" dirty="0"/>
+            <a:endParaRPr lang="en-US" dirty="0">
+              <a:latin typeface="Calibri" panose="020F0502020204030204" pitchFamily="34" charset="0"/>
+              <a:cs typeface="Calibri" panose="020F0502020204030204" pitchFamily="34" charset="0"/>
+            </a:endParaRPr>
           </a:p>
           <a:p>
             <a:pPr marL="285750" indent="-285750">
@@ -4149,8 +4422,21 @@
               <a:buChar char="•"/>
             </a:pPr>
             <a:r>
-              <a:rPr lang="en-US" dirty="0"/>
+              <a:rPr lang="en-US" dirty="0">
+                <a:latin typeface="Calibri" panose="020F0502020204030204" pitchFamily="34" charset="0"/>
+                <a:cs typeface="Calibri" panose="020F0502020204030204" pitchFamily="34" charset="0"/>
+              </a:rPr>
               <a:t>There are variations from year to year, but we can speculate that this could be caused by the Pandemic and its effects.</a:t>
+            </a:r>
+          </a:p>
+          <a:p>
+            <a:pPr algn="r"/>
+            <a:r>
+              <a:rPr lang="en-US" sz="1000" dirty="0">
+                <a:latin typeface="Calibri" panose="020F0502020204030204" pitchFamily="34" charset="0"/>
+                <a:cs typeface="Calibri" panose="020F0502020204030204" pitchFamily="34" charset="0"/>
+              </a:rPr>
+              <a:t>(JE)</a:t>
             </a:r>
           </a:p>
         </p:txBody>
@@ -4208,11 +4494,16 @@
           </a:xfrm>
         </p:spPr>
         <p:txBody>
-          <a:bodyPr/>
-          <a:lstStyle/>
-          <a:p>
-            <a:r>
-              <a:rPr lang="en-US" dirty="0"/>
+          <a:bodyPr>
+            <a:normAutofit fontScale="90000"/>
+          </a:bodyPr>
+          <a:lstStyle/>
+          <a:p>
+            <a:r>
+              <a:rPr lang="en-US" dirty="0">
+                <a:latin typeface="Calibri" panose="020F0502020204030204" pitchFamily="34" charset="0"/>
+                <a:cs typeface="Calibri" panose="020F0502020204030204" pitchFamily="34" charset="0"/>
+              </a:rPr>
               <a:t>RU23 – Project One – Group 4 - Results</a:t>
             </a:r>
           </a:p>
@@ -4233,7 +4524,7 @@
         <p:spPr>
           <a:xfrm>
             <a:off x="6829778" y="1941689"/>
-            <a:ext cx="4481689" cy="4247317"/>
+            <a:ext cx="4481689" cy="3939540"/>
           </a:xfrm>
           <a:prstGeom prst="rect">
             <a:avLst/>
@@ -4251,7 +4542,10 @@
               <a:buChar char="•"/>
             </a:pPr>
             <a:r>
-              <a:rPr lang="en-US" dirty="0"/>
+              <a:rPr lang="en-US" sz="1600" dirty="0">
+                <a:latin typeface="Calibri" panose="020F0502020204030204" pitchFamily="34" charset="0"/>
+                <a:cs typeface="Calibri" panose="020F0502020204030204" pitchFamily="34" charset="0"/>
+              </a:rPr>
               <a:t>Question: What happens if we present the same information in a different format?</a:t>
             </a:r>
           </a:p>
@@ -4260,7 +4554,13 @@
               <a:buFont typeface="Arial" panose="020B0604020202020204" pitchFamily="34" charset="0"/>
               <a:buChar char="•"/>
             </a:pPr>
-            <a:endParaRPr lang="en-US" dirty="0"/>
+            <a:r>
+              <a:rPr lang="en-US" sz="1600" dirty="0">
+                <a:latin typeface="Calibri" panose="020F0502020204030204" pitchFamily="34" charset="0"/>
+                <a:cs typeface="Calibri" panose="020F0502020204030204" pitchFamily="34" charset="0"/>
+              </a:rPr>
+              <a:t>It seems that in 2022 salaries suffered a major impact and decreased substantially, but is it?</a:t>
+            </a:r>
           </a:p>
           <a:p>
             <a:pPr marL="285750" indent="-285750">
@@ -4268,8 +4568,11 @@
               <a:buChar char="•"/>
             </a:pPr>
             <a:r>
-              <a:rPr lang="en-US" dirty="0"/>
-              <a:t>It seems that in 2022 salaries suffered a major impact and decreased substantially, but is it?</a:t>
+              <a:rPr lang="en-US" sz="1600" dirty="0">
+                <a:latin typeface="Calibri" panose="020F0502020204030204" pitchFamily="34" charset="0"/>
+                <a:cs typeface="Calibri" panose="020F0502020204030204" pitchFamily="34" charset="0"/>
+              </a:rPr>
+              <a:t>Different graph formats may at first convey different messages, even with the same data.</a:t>
             </a:r>
           </a:p>
           <a:p>
@@ -4277,7 +4580,13 @@
               <a:buFont typeface="Arial" panose="020B0604020202020204" pitchFamily="34" charset="0"/>
               <a:buChar char="•"/>
             </a:pPr>
-            <a:endParaRPr lang="en-US" dirty="0"/>
+            <a:r>
+              <a:rPr lang="en-US" sz="1600" dirty="0">
+                <a:latin typeface="Calibri" panose="020F0502020204030204" pitchFamily="34" charset="0"/>
+                <a:cs typeface="Calibri" panose="020F0502020204030204" pitchFamily="34" charset="0"/>
+              </a:rPr>
+              <a:t>The major difference between the two formats is the Y axis granularity.</a:t>
+            </a:r>
           </a:p>
           <a:p>
             <a:pPr marL="285750" indent="-285750">
@@ -4285,33 +4594,23 @@
               <a:buChar char="•"/>
             </a:pPr>
             <a:r>
-              <a:rPr lang="en-US" dirty="0"/>
-              <a:t>Different graph formats may at first convey different messages, even with the same data.</a:t>
-            </a:r>
-          </a:p>
-          <a:p>
-            <a:pPr marL="285750" indent="-285750">
-              <a:buFont typeface="Arial" panose="020B0604020202020204" pitchFamily="34" charset="0"/>
-              <a:buChar char="•"/>
-            </a:pPr>
-            <a:endParaRPr lang="en-US" dirty="0"/>
-          </a:p>
-          <a:p>
-            <a:pPr marL="285750" indent="-285750">
-              <a:buFont typeface="Arial" panose="020B0604020202020204" pitchFamily="34" charset="0"/>
-              <a:buChar char="•"/>
-            </a:pPr>
-            <a:r>
-              <a:rPr lang="en-US" dirty="0"/>
-              <a:t>The major difference between the two formats is the Y axis granularity.</a:t>
-            </a:r>
-          </a:p>
-          <a:p>
-            <a:pPr marL="285750" indent="-285750">
-              <a:buFont typeface="Arial" panose="020B0604020202020204" pitchFamily="34" charset="0"/>
-              <a:buChar char="•"/>
-            </a:pPr>
-            <a:endParaRPr lang="en-US" dirty="0"/>
+              <a:rPr lang="en-US" sz="1600" dirty="0">
+                <a:effectLst/>
+                <a:latin typeface="Calibri" panose="020F0502020204030204" pitchFamily="34" charset="0"/>
+                <a:cs typeface="Calibri" panose="020F0502020204030204" pitchFamily="34" charset="0"/>
+              </a:rPr>
+              <a:t>As with the bar graph, the average salary across this 4-year time span did not fluctuate very much, ranging from $145,000-$160,000. However, during the height of the COVID-19 pandemic, the average salary took a sharp decline in 2021 to 2022 and began to rise again this year.</a:t>
+            </a:r>
+          </a:p>
+          <a:p>
+            <a:pPr algn="r"/>
+            <a:r>
+              <a:rPr lang="en-US" sz="1000" dirty="0">
+                <a:latin typeface="Calibri" panose="020F0502020204030204" pitchFamily="34" charset="0"/>
+                <a:cs typeface="Calibri" panose="020F0502020204030204" pitchFamily="34" charset="0"/>
+              </a:rPr>
+              <a:t>(JE)</a:t>
+            </a:r>
           </a:p>
         </p:txBody>
       </p:sp>
@@ -4397,11 +4696,16 @@
           </a:xfrm>
         </p:spPr>
         <p:txBody>
-          <a:bodyPr/>
-          <a:lstStyle/>
-          <a:p>
-            <a:r>
-              <a:rPr lang="en-US" dirty="0"/>
+          <a:bodyPr>
+            <a:normAutofit fontScale="90000"/>
+          </a:bodyPr>
+          <a:lstStyle/>
+          <a:p>
+            <a:r>
+              <a:rPr lang="en-US" dirty="0">
+                <a:latin typeface="Calibri" panose="020F0502020204030204" pitchFamily="34" charset="0"/>
+                <a:cs typeface="Calibri" panose="020F0502020204030204" pitchFamily="34" charset="0"/>
+              </a:rPr>
               <a:t>RU23 – Project One – Group 4 - Results</a:t>
             </a:r>
           </a:p>
@@ -4421,8 +4725,8 @@
         </p:nvSpPr>
         <p:spPr>
           <a:xfrm>
-            <a:off x="6829778" y="1941689"/>
-            <a:ext cx="4481689" cy="2585323"/>
+            <a:off x="6258631" y="1941689"/>
+            <a:ext cx="5285667" cy="3416320"/>
           </a:xfrm>
           <a:prstGeom prst="rect">
             <a:avLst/>
@@ -4440,7 +4744,10 @@
               <a:buChar char="•"/>
             </a:pPr>
             <a:r>
-              <a:rPr lang="en-US" dirty="0"/>
+              <a:rPr lang="en-US" dirty="0">
+                <a:latin typeface="Calibri" panose="020F0502020204030204" pitchFamily="34" charset="0"/>
+                <a:cs typeface="Calibri" panose="020F0502020204030204" pitchFamily="34" charset="0"/>
+              </a:rPr>
               <a:t>Question: What is the distribution of the different types of employment</a:t>
             </a:r>
           </a:p>
@@ -4449,7 +4756,11 @@
               <a:buFont typeface="Arial" panose="020B0604020202020204" pitchFamily="34" charset="0"/>
               <a:buChar char="•"/>
             </a:pPr>
-            <a:endParaRPr lang="en-US" dirty="0"/>
+            <a:endParaRPr lang="en-US" dirty="0">
+              <a:effectLst/>
+              <a:latin typeface="Calibri" panose="020F0502020204030204" pitchFamily="34" charset="0"/>
+              <a:cs typeface="Calibri" panose="020F0502020204030204" pitchFamily="34" charset="0"/>
+            </a:endParaRPr>
           </a:p>
           <a:p>
             <a:pPr marL="285750" indent="-285750">
@@ -4457,33 +4768,50 @@
               <a:buChar char="•"/>
             </a:pPr>
             <a:r>
-              <a:rPr lang="en-US" dirty="0"/>
-              <a:t>The full-time employment is dominant according to the available data.</a:t>
-            </a:r>
-          </a:p>
-          <a:p>
-            <a:pPr marL="285750" indent="-285750">
-              <a:buFont typeface="Arial" panose="020B0604020202020204" pitchFamily="34" charset="0"/>
-              <a:buChar char="•"/>
-            </a:pPr>
-            <a:endParaRPr lang="en-US" dirty="0"/>
-          </a:p>
-          <a:p>
-            <a:pPr marL="285750" indent="-285750">
-              <a:buFont typeface="Arial" panose="020B0604020202020204" pitchFamily="34" charset="0"/>
-              <a:buChar char="•"/>
-            </a:pPr>
-            <a:r>
-              <a:rPr lang="en-US" dirty="0"/>
-              <a:t>Other categories exist but in smaller percentages.</a:t>
-            </a:r>
-          </a:p>
-          <a:p>
-            <a:pPr marL="285750" indent="-285750">
-              <a:buFont typeface="Arial" panose="020B0604020202020204" pitchFamily="34" charset="0"/>
-              <a:buChar char="•"/>
-            </a:pPr>
-            <a:endParaRPr lang="en-US" dirty="0"/>
+              <a:rPr lang="en-US" dirty="0">
+                <a:effectLst/>
+                <a:latin typeface="Calibri" panose="020F0502020204030204" pitchFamily="34" charset="0"/>
+                <a:cs typeface="Calibri" panose="020F0502020204030204" pitchFamily="34" charset="0"/>
+              </a:rPr>
+              <a:t>Based on the provided sample, most people who work in the Data Science and Analysis fields are employed full-time (99.5%). Contract work is reported as slightly higher than part-time work.</a:t>
+            </a:r>
+            <a:br>
+              <a:rPr lang="en-US" dirty="0">
+                <a:effectLst/>
+                <a:latin typeface="Calibri" panose="020F0502020204030204" pitchFamily="34" charset="0"/>
+                <a:cs typeface="Calibri" panose="020F0502020204030204" pitchFamily="34" charset="0"/>
+              </a:rPr>
+            </a:br>
+            <a:r>
+              <a:rPr lang="en-US" dirty="0">
+                <a:effectLst/>
+                <a:latin typeface="Calibri" panose="020F0502020204030204" pitchFamily="34" charset="0"/>
+                <a:cs typeface="Calibri" panose="020F0502020204030204" pitchFamily="34" charset="0"/>
+              </a:rPr>
+              <a:t>Sample Size Limitation: The analysis is based on a relatively small sample size of 2,218 data scientists &amp; analysts which may limit the generalizability of the findings to a larger population.</a:t>
+            </a:r>
+          </a:p>
+          <a:p>
+            <a:pPr algn="r"/>
+            <a:endParaRPr lang="en-US" sz="1000" dirty="0">
+              <a:latin typeface="Calibri" panose="020F0502020204030204" pitchFamily="34" charset="0"/>
+              <a:cs typeface="Calibri" panose="020F0502020204030204" pitchFamily="34" charset="0"/>
+            </a:endParaRPr>
+          </a:p>
+          <a:p>
+            <a:pPr algn="r"/>
+            <a:r>
+              <a:rPr lang="en-US" sz="1000" dirty="0">
+                <a:latin typeface="Calibri" panose="020F0502020204030204" pitchFamily="34" charset="0"/>
+                <a:cs typeface="Calibri" panose="020F0502020204030204" pitchFamily="34" charset="0"/>
+              </a:rPr>
+              <a:t>(EH)</a:t>
+            </a:r>
+            <a:endParaRPr lang="en-US" sz="1000" dirty="0">
+              <a:effectLst/>
+              <a:latin typeface="Calibri" panose="020F0502020204030204" pitchFamily="34" charset="0"/>
+              <a:cs typeface="Calibri" panose="020F0502020204030204" pitchFamily="34" charset="0"/>
+            </a:endParaRPr>
           </a:p>
         </p:txBody>
       </p:sp>
@@ -4569,11 +4897,16 @@
           </a:xfrm>
         </p:spPr>
         <p:txBody>
-          <a:bodyPr/>
-          <a:lstStyle/>
-          <a:p>
-            <a:r>
-              <a:rPr lang="en-US" dirty="0"/>
+          <a:bodyPr>
+            <a:normAutofit fontScale="90000"/>
+          </a:bodyPr>
+          <a:lstStyle/>
+          <a:p>
+            <a:r>
+              <a:rPr lang="en-US" dirty="0">
+                <a:latin typeface="Calibri" panose="020F0502020204030204" pitchFamily="34" charset="0"/>
+                <a:cs typeface="Calibri" panose="020F0502020204030204" pitchFamily="34" charset="0"/>
+              </a:rPr>
               <a:t>RU23 – Project One – Group 4 - Results</a:t>
             </a:r>
           </a:p>
@@ -4594,7 +4927,7 @@
         <p:spPr>
           <a:xfrm>
             <a:off x="6829778" y="1941689"/>
-            <a:ext cx="4481689" cy="3139321"/>
+            <a:ext cx="4481689" cy="3046988"/>
           </a:xfrm>
           <a:prstGeom prst="rect">
             <a:avLst/>
@@ -4612,7 +4945,10 @@
               <a:buChar char="•"/>
             </a:pPr>
             <a:r>
-              <a:rPr lang="en-US" dirty="0"/>
+              <a:rPr lang="en-US" dirty="0">
+                <a:latin typeface="Calibri" panose="020F0502020204030204" pitchFamily="34" charset="0"/>
+                <a:cs typeface="Calibri" panose="020F0502020204030204" pitchFamily="34" charset="0"/>
+              </a:rPr>
               <a:t>Question: What is the average salary of the different types of employment</a:t>
             </a:r>
           </a:p>
@@ -4621,7 +4957,10 @@
               <a:buFont typeface="Arial" panose="020B0604020202020204" pitchFamily="34" charset="0"/>
               <a:buChar char="•"/>
             </a:pPr>
-            <a:endParaRPr lang="en-US" dirty="0"/>
+            <a:endParaRPr lang="en-US" dirty="0">
+              <a:latin typeface="Calibri" panose="020F0502020204030204" pitchFamily="34" charset="0"/>
+              <a:cs typeface="Calibri" panose="020F0502020204030204" pitchFamily="34" charset="0"/>
+            </a:endParaRPr>
           </a:p>
           <a:p>
             <a:pPr marL="285750" indent="-285750">
@@ -4629,7 +4968,10 @@
               <a:buChar char="•"/>
             </a:pPr>
             <a:r>
-              <a:rPr lang="en-US" dirty="0"/>
+              <a:rPr lang="en-US" dirty="0">
+                <a:latin typeface="Calibri" panose="020F0502020204030204" pitchFamily="34" charset="0"/>
+                <a:cs typeface="Calibri" panose="020F0502020204030204" pitchFamily="34" charset="0"/>
+              </a:rPr>
               <a:t>Now instead of FT, we see that CT is higher and there is an explanation for that: as CT usually doesn’t include much benefits in the package, they tend to pay more, so that the employee covers alone for things like health insurance.</a:t>
             </a:r>
           </a:p>
@@ -4638,7 +4980,27 @@
               <a:buFont typeface="Arial" panose="020B0604020202020204" pitchFamily="34" charset="0"/>
               <a:buChar char="•"/>
             </a:pPr>
-            <a:endParaRPr lang="en-US" dirty="0"/>
+            <a:endParaRPr lang="en-US" sz="1000" dirty="0">
+              <a:latin typeface="Calibri" panose="020F0502020204030204" pitchFamily="34" charset="0"/>
+              <a:cs typeface="Calibri" panose="020F0502020204030204" pitchFamily="34" charset="0"/>
+            </a:endParaRPr>
+          </a:p>
+          <a:p>
+            <a:pPr algn="r"/>
+            <a:endParaRPr lang="en-US" sz="1000" dirty="0">
+              <a:latin typeface="Calibri" panose="020F0502020204030204" pitchFamily="34" charset="0"/>
+              <a:cs typeface="Calibri" panose="020F0502020204030204" pitchFamily="34" charset="0"/>
+            </a:endParaRPr>
+          </a:p>
+          <a:p>
+            <a:pPr algn="r"/>
+            <a:r>
+              <a:rPr lang="en-US" sz="1000" dirty="0">
+                <a:latin typeface="Calibri" panose="020F0502020204030204" pitchFamily="34" charset="0"/>
+                <a:cs typeface="Calibri" panose="020F0502020204030204" pitchFamily="34" charset="0"/>
+              </a:rPr>
+              <a:t>(EH)</a:t>
+            </a:r>
           </a:p>
         </p:txBody>
       </p:sp>
@@ -4724,11 +5086,16 @@
           </a:xfrm>
         </p:spPr>
         <p:txBody>
-          <a:bodyPr/>
-          <a:lstStyle/>
-          <a:p>
-            <a:r>
-              <a:rPr lang="en-US" dirty="0"/>
+          <a:bodyPr>
+            <a:normAutofit fontScale="90000"/>
+          </a:bodyPr>
+          <a:lstStyle/>
+          <a:p>
+            <a:r>
+              <a:rPr lang="en-US" dirty="0">
+                <a:latin typeface="Calibri" panose="020F0502020204030204" pitchFamily="34" charset="0"/>
+                <a:cs typeface="Calibri" panose="020F0502020204030204" pitchFamily="34" charset="0"/>
+              </a:rPr>
               <a:t>RU23 – Project One – Group 4 - Results</a:t>
             </a:r>
           </a:p>
@@ -4749,7 +5116,7 @@
         <p:spPr>
           <a:xfrm>
             <a:off x="6829778" y="1941689"/>
-            <a:ext cx="4481689" cy="1754326"/>
+            <a:ext cx="4481689" cy="2185214"/>
           </a:xfrm>
           <a:prstGeom prst="rect">
             <a:avLst/>
@@ -4767,7 +5134,10 @@
               <a:buChar char="•"/>
             </a:pPr>
             <a:r>
-              <a:rPr lang="en-US" dirty="0"/>
+              <a:rPr lang="en-US" dirty="0">
+                <a:latin typeface="Calibri" panose="020F0502020204030204" pitchFamily="34" charset="0"/>
+                <a:cs typeface="Calibri" panose="020F0502020204030204" pitchFamily="34" charset="0"/>
+              </a:rPr>
               <a:t>Question: Does the size of the company matter?</a:t>
             </a:r>
           </a:p>
@@ -4776,7 +5146,10 @@
               <a:buFont typeface="Arial" panose="020B0604020202020204" pitchFamily="34" charset="0"/>
               <a:buChar char="•"/>
             </a:pPr>
-            <a:endParaRPr lang="en-US" dirty="0"/>
+            <a:endParaRPr lang="en-US" dirty="0">
+              <a:latin typeface="Calibri" panose="020F0502020204030204" pitchFamily="34" charset="0"/>
+              <a:cs typeface="Calibri" panose="020F0502020204030204" pitchFamily="34" charset="0"/>
+            </a:endParaRPr>
           </a:p>
           <a:p>
             <a:pPr marL="285750" indent="-285750">
@@ -4784,7 +5157,10 @@
               <a:buChar char="•"/>
             </a:pPr>
             <a:r>
-              <a:rPr lang="en-US" dirty="0"/>
+              <a:rPr lang="en-US" dirty="0">
+                <a:latin typeface="Calibri" panose="020F0502020204030204" pitchFamily="34" charset="0"/>
+                <a:cs typeface="Calibri" panose="020F0502020204030204" pitchFamily="34" charset="0"/>
+              </a:rPr>
               <a:t>Data confirms that in average bigger companies pay more.</a:t>
             </a:r>
           </a:p>
@@ -4793,7 +5169,30 @@
               <a:buFont typeface="Arial" panose="020B0604020202020204" pitchFamily="34" charset="0"/>
               <a:buChar char="•"/>
             </a:pPr>
-            <a:endParaRPr lang="en-US" dirty="0"/>
+            <a:endParaRPr lang="en-US" dirty="0">
+              <a:latin typeface="Calibri" panose="020F0502020204030204" pitchFamily="34" charset="0"/>
+              <a:cs typeface="Calibri" panose="020F0502020204030204" pitchFamily="34" charset="0"/>
+            </a:endParaRPr>
+          </a:p>
+          <a:p>
+            <a:pPr algn="r"/>
+            <a:r>
+              <a:rPr lang="en-US" sz="1000" dirty="0">
+                <a:latin typeface="Calibri" panose="020F0502020204030204" pitchFamily="34" charset="0"/>
+                <a:cs typeface="Calibri" panose="020F0502020204030204" pitchFamily="34" charset="0"/>
+              </a:rPr>
+              <a:t>(DR)</a:t>
+            </a:r>
+          </a:p>
+          <a:p>
+            <a:pPr marL="285750" indent="-285750">
+              <a:buFont typeface="Arial" panose="020B0604020202020204" pitchFamily="34" charset="0"/>
+              <a:buChar char="•"/>
+            </a:pPr>
+            <a:endParaRPr lang="en-US" dirty="0">
+              <a:latin typeface="Calibri" panose="020F0502020204030204" pitchFamily="34" charset="0"/>
+              <a:cs typeface="Calibri" panose="020F0502020204030204" pitchFamily="34" charset="0"/>
+            </a:endParaRPr>
           </a:p>
         </p:txBody>
       </p:sp>
@@ -4879,11 +5278,16 @@
           </a:xfrm>
         </p:spPr>
         <p:txBody>
-          <a:bodyPr/>
-          <a:lstStyle/>
-          <a:p>
-            <a:r>
-              <a:rPr lang="en-US" dirty="0"/>
+          <a:bodyPr>
+            <a:normAutofit fontScale="90000"/>
+          </a:bodyPr>
+          <a:lstStyle/>
+          <a:p>
+            <a:r>
+              <a:rPr lang="en-US" dirty="0">
+                <a:latin typeface="Calibri" panose="020F0502020204030204" pitchFamily="34" charset="0"/>
+                <a:cs typeface="Calibri" panose="020F0502020204030204" pitchFamily="34" charset="0"/>
+              </a:rPr>
               <a:t>RU23 – Project One – Group 4 - Results</a:t>
             </a:r>
           </a:p>
@@ -4904,7 +5308,7 @@
         <p:spPr>
           <a:xfrm>
             <a:off x="6829778" y="1941689"/>
-            <a:ext cx="4481689" cy="2862322"/>
+            <a:ext cx="4481689" cy="2616101"/>
           </a:xfrm>
           <a:prstGeom prst="rect">
             <a:avLst/>
@@ -4922,7 +5326,10 @@
               <a:buChar char="•"/>
             </a:pPr>
             <a:r>
-              <a:rPr lang="en-US" dirty="0"/>
+              <a:rPr lang="en-US" dirty="0">
+                <a:latin typeface="Calibri" panose="020F0502020204030204" pitchFamily="34" charset="0"/>
+                <a:cs typeface="Calibri" panose="020F0502020204030204" pitchFamily="34" charset="0"/>
+              </a:rPr>
               <a:t>Question: Does the average salary varies according to the experience level ?</a:t>
             </a:r>
           </a:p>
@@ -4931,7 +5338,10 @@
               <a:buFont typeface="Arial" panose="020B0604020202020204" pitchFamily="34" charset="0"/>
               <a:buChar char="•"/>
             </a:pPr>
-            <a:endParaRPr lang="en-US" dirty="0"/>
+            <a:endParaRPr lang="en-US" dirty="0">
+              <a:latin typeface="Calibri" panose="020F0502020204030204" pitchFamily="34" charset="0"/>
+              <a:cs typeface="Calibri" panose="020F0502020204030204" pitchFamily="34" charset="0"/>
+            </a:endParaRPr>
           </a:p>
           <a:p>
             <a:pPr marL="285750" indent="-285750">
@@ -4939,16 +5349,29 @@
               <a:buChar char="•"/>
             </a:pPr>
             <a:r>
-              <a:rPr lang="en-US" dirty="0"/>
+              <a:rPr lang="en-US" dirty="0">
+                <a:latin typeface="Calibri" panose="020F0502020204030204" pitchFamily="34" charset="0"/>
+                <a:cs typeface="Calibri" panose="020F0502020204030204" pitchFamily="34" charset="0"/>
+              </a:rPr>
               <a:t>Data confirms that yes salary varies according to the experience level, and it is interesting to observe that even for the entry level the average salary is higher than the national average.</a:t>
             </a:r>
           </a:p>
           <a:p>
-            <a:pPr marL="285750" indent="-285750">
-              <a:buFont typeface="Arial" panose="020B0604020202020204" pitchFamily="34" charset="0"/>
-              <a:buChar char="•"/>
-            </a:pPr>
-            <a:endParaRPr lang="en-US" dirty="0"/>
+            <a:pPr algn="r"/>
+            <a:endParaRPr lang="en-US" sz="1000" dirty="0">
+              <a:latin typeface="Calibri" panose="020F0502020204030204" pitchFamily="34" charset="0"/>
+              <a:cs typeface="Calibri" panose="020F0502020204030204" pitchFamily="34" charset="0"/>
+            </a:endParaRPr>
+          </a:p>
+          <a:p>
+            <a:pPr algn="r"/>
+            <a:r>
+              <a:rPr lang="en-US" sz="1000" dirty="0">
+                <a:latin typeface="Calibri" panose="020F0502020204030204" pitchFamily="34" charset="0"/>
+                <a:cs typeface="Calibri" panose="020F0502020204030204" pitchFamily="34" charset="0"/>
+              </a:rPr>
+              <a:t>(DR)</a:t>
+            </a:r>
           </a:p>
         </p:txBody>
       </p:sp>
@@ -5034,11 +5457,16 @@
           </a:xfrm>
         </p:spPr>
         <p:txBody>
-          <a:bodyPr/>
-          <a:lstStyle/>
-          <a:p>
-            <a:r>
-              <a:rPr lang="en-US" dirty="0"/>
+          <a:bodyPr>
+            <a:normAutofit fontScale="90000"/>
+          </a:bodyPr>
+          <a:lstStyle/>
+          <a:p>
+            <a:r>
+              <a:rPr lang="en-US" dirty="0">
+                <a:latin typeface="Calibri" panose="020F0502020204030204" pitchFamily="34" charset="0"/>
+                <a:cs typeface="Calibri" panose="020F0502020204030204" pitchFamily="34" charset="0"/>
+              </a:rPr>
               <a:t>RU23 – Project One – Group 4 - Results</a:t>
             </a:r>
           </a:p>
@@ -5059,7 +5487,7 @@
         <p:spPr>
           <a:xfrm>
             <a:off x="8434316" y="1941689"/>
-            <a:ext cx="3215817" cy="4278094"/>
+            <a:ext cx="3215817" cy="3785652"/>
           </a:xfrm>
           <a:prstGeom prst="rect">
             <a:avLst/>
@@ -5077,7 +5505,10 @@
               <a:buChar char="•"/>
             </a:pPr>
             <a:r>
-              <a:rPr lang="en-US" sz="1600" dirty="0"/>
+              <a:rPr lang="en-US" sz="1600" dirty="0">
+                <a:latin typeface="Calibri" panose="020F0502020204030204" pitchFamily="34" charset="0"/>
+                <a:cs typeface="Calibri" panose="020F0502020204030204" pitchFamily="34" charset="0"/>
+              </a:rPr>
               <a:t>Question: How did the average salary varies thru the years for each experience level?</a:t>
             </a:r>
           </a:p>
@@ -5086,7 +5517,10 @@
               <a:buFont typeface="Arial" panose="020B0604020202020204" pitchFamily="34" charset="0"/>
               <a:buChar char="•"/>
             </a:pPr>
-            <a:endParaRPr lang="en-US" sz="1600" dirty="0"/>
+            <a:endParaRPr lang="en-US" sz="1600" dirty="0">
+              <a:latin typeface="Calibri" panose="020F0502020204030204" pitchFamily="34" charset="0"/>
+              <a:cs typeface="Calibri" panose="020F0502020204030204" pitchFamily="34" charset="0"/>
+            </a:endParaRPr>
           </a:p>
           <a:p>
             <a:pPr marL="285750" indent="-285750">
@@ -5094,7 +5528,10 @@
               <a:buChar char="•"/>
             </a:pPr>
             <a:r>
-              <a:rPr lang="en-US" sz="1600" dirty="0"/>
+              <a:rPr lang="en-US" sz="1600" dirty="0">
+                <a:latin typeface="Calibri" panose="020F0502020204030204" pitchFamily="34" charset="0"/>
+                <a:cs typeface="Calibri" panose="020F0502020204030204" pitchFamily="34" charset="0"/>
+              </a:rPr>
               <a:t>The variation per experience level and year is consistent with the overall salary average.</a:t>
             </a:r>
           </a:p>
@@ -5103,7 +5540,10 @@
               <a:buFont typeface="Arial" panose="020B0604020202020204" pitchFamily="34" charset="0"/>
               <a:buChar char="•"/>
             </a:pPr>
-            <a:endParaRPr lang="en-US" sz="1600" dirty="0"/>
+            <a:endParaRPr lang="en-US" sz="1600" dirty="0">
+              <a:latin typeface="Calibri" panose="020F0502020204030204" pitchFamily="34" charset="0"/>
+              <a:cs typeface="Calibri" panose="020F0502020204030204" pitchFamily="34" charset="0"/>
+            </a:endParaRPr>
           </a:p>
           <a:p>
             <a:pPr marL="285750" indent="-285750">
@@ -5111,25 +5551,38 @@
               <a:buChar char="•"/>
             </a:pPr>
             <a:r>
-              <a:rPr lang="en-US" sz="1600" dirty="0"/>
+              <a:rPr lang="en-US" sz="1600" dirty="0">
+                <a:latin typeface="Calibri" panose="020F0502020204030204" pitchFamily="34" charset="0"/>
+                <a:cs typeface="Calibri" panose="020F0502020204030204" pitchFamily="34" charset="0"/>
+              </a:rPr>
               <a:t>There is a substantial decrease in the experienced segment and that could be explained by “the higher they make, easier would be to support the impact”</a:t>
             </a:r>
           </a:p>
           <a:p>
-            <a:pPr marL="285750" indent="-285750">
-              <a:buFont typeface="Arial" panose="020B0604020202020204" pitchFamily="34" charset="0"/>
-              <a:buChar char="•"/>
-            </a:pPr>
-            <a:endParaRPr lang="en-US" sz="1600" dirty="0"/>
+            <a:pPr algn="r"/>
+            <a:endParaRPr lang="en-US" sz="1600" dirty="0">
+              <a:latin typeface="Calibri" panose="020F0502020204030204" pitchFamily="34" charset="0"/>
+              <a:cs typeface="Calibri" panose="020F0502020204030204" pitchFamily="34" charset="0"/>
+            </a:endParaRPr>
+          </a:p>
+          <a:p>
+            <a:pPr algn="r"/>
+            <a:r>
+              <a:rPr lang="en-US" sz="1000" dirty="0">
+                <a:latin typeface="Calibri" panose="020F0502020204030204" pitchFamily="34" charset="0"/>
+                <a:cs typeface="Calibri" panose="020F0502020204030204" pitchFamily="34" charset="0"/>
+              </a:rPr>
+              <a:t>(DR)</a:t>
+            </a:r>
           </a:p>
         </p:txBody>
       </p:sp>
       <p:pic>
         <p:nvPicPr>
-          <p:cNvPr id="7" name="Content Placeholder 6" descr="A picture containing text, screenshot, diagram, line&#10;&#10;Description automatically generated">
-            <a:extLst>
-              <a:ext uri="{FF2B5EF4-FFF2-40B4-BE49-F238E27FC236}">
-                <a16:creationId xmlns:a16="http://schemas.microsoft.com/office/drawing/2014/main" id="{C0D1691C-7877-B1F7-1FA7-D922E7F89E85}"/>
+          <p:cNvPr id="8" name="Content Placeholder 7" descr="A picture containing text, screenshot, line, diagram&#10;&#10;Description automatically generated">
+            <a:extLst>
+              <a:ext uri="{FF2B5EF4-FFF2-40B4-BE49-F238E27FC236}">
+                <a16:creationId xmlns:a16="http://schemas.microsoft.com/office/drawing/2014/main" id="{5831E492-F418-18E5-374D-3EA291520A25}"/>
               </a:ext>
             </a:extLst>
           </p:cNvPr>
@@ -5148,8 +5601,8 @@
         </p:blipFill>
         <p:spPr>
           <a:xfrm>
-            <a:off x="647702" y="1508761"/>
-            <a:ext cx="7596148" cy="4523549"/>
+            <a:off x="548638" y="1555749"/>
+            <a:ext cx="7810279" cy="4664033"/>
           </a:xfrm>
         </p:spPr>
       </p:pic>
@@ -5157,6 +5610,251 @@
     <p:extLst>
       <p:ext uri="{BB962C8B-B14F-4D97-AF65-F5344CB8AC3E}">
         <p14:creationId xmlns:p14="http://schemas.microsoft.com/office/powerpoint/2010/main" val="2322268268"/>
+      </p:ext>
+    </p:extLst>
+  </p:cSld>
+  <p:clrMapOvr>
+    <a:masterClrMapping/>
+  </p:clrMapOvr>
+</p:sld>
+</file>
+
+<file path=ppt/slides/slide9.xml><?xml version="1.0" encoding="utf-8"?>
+<p:sld xmlns:a="http://schemas.openxmlformats.org/drawingml/2006/main" xmlns:r="http://schemas.openxmlformats.org/officeDocument/2006/relationships" xmlns:p="http://schemas.openxmlformats.org/presentationml/2006/main">
+  <p:cSld>
+    <p:spTree>
+      <p:nvGrpSpPr>
+        <p:cNvPr id="1" name=""/>
+        <p:cNvGrpSpPr/>
+        <p:nvPr/>
+      </p:nvGrpSpPr>
+      <p:grpSpPr>
+        <a:xfrm>
+          <a:off x="0" y="0"/>
+          <a:ext cx="0" cy="0"/>
+          <a:chOff x="0" y="0"/>
+          <a:chExt cx="0" cy="0"/>
+        </a:xfrm>
+      </p:grpSpPr>
+      <p:sp>
+        <p:nvSpPr>
+          <p:cNvPr id="2" name="Title 1">
+            <a:extLst>
+              <a:ext uri="{FF2B5EF4-FFF2-40B4-BE49-F238E27FC236}">
+                <a16:creationId xmlns:a16="http://schemas.microsoft.com/office/drawing/2014/main" id="{78854E65-4C90-752A-0455-ABD237260114}"/>
+              </a:ext>
+            </a:extLst>
+          </p:cNvPr>
+          <p:cNvSpPr>
+            <a:spLocks noGrp="1"/>
+          </p:cNvSpPr>
+          <p:nvPr>
+            <p:ph type="title"/>
+          </p:nvPr>
+        </p:nvSpPr>
+        <p:spPr>
+          <a:xfrm>
+            <a:off x="548639" y="950977"/>
+            <a:ext cx="10995659" cy="557784"/>
+          </a:xfrm>
+        </p:spPr>
+        <p:txBody>
+          <a:bodyPr>
+            <a:normAutofit fontScale="90000"/>
+          </a:bodyPr>
+          <a:lstStyle/>
+          <a:p>
+            <a:r>
+              <a:rPr lang="en-US" dirty="0">
+                <a:latin typeface="Calibri" panose="020F0502020204030204" pitchFamily="34" charset="0"/>
+                <a:cs typeface="Calibri" panose="020F0502020204030204" pitchFamily="34" charset="0"/>
+              </a:rPr>
+              <a:t>RU23 – Project One – Group 4 - Results</a:t>
+            </a:r>
+          </a:p>
+        </p:txBody>
+      </p:sp>
+      <p:sp>
+        <p:nvSpPr>
+          <p:cNvPr id="4" name="Content Placeholder 3">
+            <a:extLst>
+              <a:ext uri="{FF2B5EF4-FFF2-40B4-BE49-F238E27FC236}">
+                <a16:creationId xmlns:a16="http://schemas.microsoft.com/office/drawing/2014/main" id="{36D6097F-B592-D78F-A7B9-FA1A806B9D51}"/>
+              </a:ext>
+            </a:extLst>
+          </p:cNvPr>
+          <p:cNvSpPr>
+            <a:spLocks noGrp="1"/>
+          </p:cNvSpPr>
+          <p:nvPr>
+            <p:ph idx="1"/>
+          </p:nvPr>
+        </p:nvSpPr>
+        <p:spPr>
+          <a:xfrm>
+            <a:off x="548640" y="2028826"/>
+            <a:ext cx="10995657" cy="4029074"/>
+          </a:xfrm>
+        </p:spPr>
+        <p:txBody>
+          <a:bodyPr>
+            <a:normAutofit fontScale="85000" lnSpcReduction="10000"/>
+          </a:bodyPr>
+          <a:lstStyle/>
+          <a:p>
+            <a:pPr algn="l">
+              <a:spcBef>
+                <a:spcPts val="0"/>
+              </a:spcBef>
+            </a:pPr>
+            <a:r>
+              <a:rPr lang="en-US" b="1" dirty="0">
+                <a:effectLst/>
+                <a:latin typeface="Calibri" panose="020F0502020204030204" pitchFamily="34" charset="0"/>
+                <a:cs typeface="Calibri" panose="020F0502020204030204" pitchFamily="34" charset="0"/>
+              </a:rPr>
+              <a:t>General Comments</a:t>
+            </a:r>
+          </a:p>
+          <a:p>
+            <a:pPr lvl="1">
+              <a:spcBef>
+                <a:spcPts val="0"/>
+              </a:spcBef>
+            </a:pPr>
+            <a:r>
+              <a:rPr lang="en-US" dirty="0">
+                <a:effectLst/>
+                <a:latin typeface="Calibri" panose="020F0502020204030204" pitchFamily="34" charset="0"/>
+                <a:cs typeface="Calibri" panose="020F0502020204030204" pitchFamily="34" charset="0"/>
+              </a:rPr>
+              <a:t>Average salary across this 4-year time span did not fluctuate very much, ranging from $145,000-$160,000. However, during the height of the COVID-19 pandemic, the average salary took a sharp decline in 2021 to 2022 and began to rise again this year.</a:t>
+            </a:r>
+          </a:p>
+          <a:p>
+            <a:pPr marL="285750" lvl="1" indent="-285750">
+              <a:spcBef>
+                <a:spcPts val="0"/>
+              </a:spcBef>
+            </a:pPr>
+            <a:r>
+              <a:rPr lang="en-US" sz="2100" b="1" dirty="0">
+                <a:latin typeface="Calibri" panose="020F0502020204030204" pitchFamily="34" charset="0"/>
+                <a:cs typeface="Calibri" panose="020F0502020204030204" pitchFamily="34" charset="0"/>
+              </a:rPr>
+              <a:t>Data analysis limitations and Assumptions</a:t>
+            </a:r>
+          </a:p>
+          <a:p>
+            <a:pPr lvl="1">
+              <a:spcBef>
+                <a:spcPts val="0"/>
+              </a:spcBef>
+            </a:pPr>
+            <a:r>
+              <a:rPr lang="en-US" dirty="0">
+                <a:effectLst/>
+                <a:latin typeface="Calibri" panose="020F0502020204030204" pitchFamily="34" charset="0"/>
+                <a:cs typeface="Calibri" panose="020F0502020204030204" pitchFamily="34" charset="0"/>
+              </a:rPr>
+              <a:t>Time Limitation: The analysis is based on data collected at the start of the pandemic up until 2023. Therefore, the findings may not capture potential changes or trends occurring outside of that time frame, limiting the temporal generalizability.</a:t>
+            </a:r>
+          </a:p>
+          <a:p>
+            <a:pPr lvl="1">
+              <a:spcBef>
+                <a:spcPts val="0"/>
+              </a:spcBef>
+            </a:pPr>
+            <a:r>
+              <a:rPr lang="en-US" dirty="0">
+                <a:effectLst/>
+                <a:latin typeface="Calibri" panose="020F0502020204030204" pitchFamily="34" charset="0"/>
+                <a:cs typeface="Calibri" panose="020F0502020204030204" pitchFamily="34" charset="0"/>
+              </a:rPr>
+              <a:t>Sample Size Limitation: The analysis is limited by the small sample size, which may affect the generalizability of the findings to a larger population.</a:t>
+            </a:r>
+          </a:p>
+          <a:p>
+            <a:pPr lvl="1">
+              <a:spcBef>
+                <a:spcPts val="0"/>
+              </a:spcBef>
+            </a:pPr>
+            <a:r>
+              <a:rPr lang="en-US" dirty="0">
+                <a:effectLst/>
+                <a:latin typeface="Calibri" panose="020F0502020204030204" pitchFamily="34" charset="0"/>
+                <a:cs typeface="Calibri" panose="020F0502020204030204" pitchFamily="34" charset="0"/>
+              </a:rPr>
+              <a:t>Data Quality Limitation: The analysis is dependent on the accuracy and reliability of the data collected. Inaccurate or incomplete data may lead to biased or misleading results.</a:t>
+            </a:r>
+          </a:p>
+          <a:p>
+            <a:pPr lvl="1">
+              <a:spcBef>
+                <a:spcPts val="0"/>
+              </a:spcBef>
+            </a:pPr>
+            <a:r>
+              <a:rPr lang="en-US" dirty="0">
+                <a:effectLst/>
+                <a:latin typeface="Calibri" panose="020F0502020204030204" pitchFamily="34" charset="0"/>
+                <a:cs typeface="Calibri" panose="020F0502020204030204" pitchFamily="34" charset="0"/>
+              </a:rPr>
+              <a:t>Data Collection Bias: The data used in the analysis may suffer from selection bias, where certain groups or characteristics are over- or underrepresented, leading to potential distortions in the findings.</a:t>
+            </a:r>
+          </a:p>
+          <a:p>
+            <a:pPr marL="274320" lvl="1" indent="0" algn="r">
+              <a:spcBef>
+                <a:spcPts val="0"/>
+              </a:spcBef>
+              <a:buNone/>
+            </a:pPr>
+            <a:endParaRPr lang="en-US" dirty="0">
+              <a:latin typeface="Calibri" panose="020F0502020204030204" pitchFamily="34" charset="0"/>
+              <a:cs typeface="Calibri" panose="020F0502020204030204" pitchFamily="34" charset="0"/>
+            </a:endParaRPr>
+          </a:p>
+          <a:p>
+            <a:pPr marL="274320" lvl="1" indent="0" algn="r">
+              <a:spcBef>
+                <a:spcPts val="0"/>
+              </a:spcBef>
+              <a:buNone/>
+            </a:pPr>
+            <a:endParaRPr lang="en-US" dirty="0">
+              <a:latin typeface="Calibri" panose="020F0502020204030204" pitchFamily="34" charset="0"/>
+              <a:cs typeface="Calibri" panose="020F0502020204030204" pitchFamily="34" charset="0"/>
+            </a:endParaRPr>
+          </a:p>
+          <a:p>
+            <a:pPr marL="274320" lvl="1" indent="0" algn="r">
+              <a:spcBef>
+                <a:spcPts val="0"/>
+              </a:spcBef>
+              <a:buNone/>
+            </a:pPr>
+            <a:r>
+              <a:rPr lang="en-US" sz="1200" dirty="0">
+                <a:latin typeface="Calibri" panose="020F0502020204030204" pitchFamily="34" charset="0"/>
+                <a:cs typeface="Calibri" panose="020F0502020204030204" pitchFamily="34" charset="0"/>
+              </a:rPr>
+              <a:t>(CB)</a:t>
+            </a:r>
+            <a:endParaRPr lang="en-US" sz="1200" dirty="0">
+              <a:effectLst/>
+              <a:latin typeface="Calibri" panose="020F0502020204030204" pitchFamily="34" charset="0"/>
+              <a:cs typeface="Calibri" panose="020F0502020204030204" pitchFamily="34" charset="0"/>
+            </a:endParaRPr>
+          </a:p>
+        </p:txBody>
+      </p:sp>
+    </p:spTree>
+    <p:extLst>
+      <p:ext uri="{BB962C8B-B14F-4D97-AF65-F5344CB8AC3E}">
+        <p14:creationId xmlns:p14="http://schemas.microsoft.com/office/powerpoint/2010/main" val="658324894"/>
       </p:ext>
     </p:extLst>
   </p:cSld>
